--- a/presentazione/Pagliari Lorenzo - presentazione_v3.4_flat.pptx
+++ b/presentazione/Pagliari Lorenzo - presentazione_v3.4_flat.pptx
@@ -270,7 +270,7 @@
             <a:fld id="{3012F1C6-8193-4D58-BB28-44CF9C7F83D5}" type="datetimeFigureOut">
               <a:rPr lang="it-IT" smtClean="0"/>
               <a:pPr/>
-              <a:t>25/09/2015</a:t>
+              <a:t>29/09/2015</a:t>
             </a:fld>
             <a:endParaRPr lang="it-IT" dirty="0"/>
           </a:p>
@@ -432,7 +432,7 @@
             <a:fld id="{0A055084-1CB9-CF40-93F3-663EB9ADEB9C}" type="datetimeFigureOut">
               <a:rPr lang="it-IT" smtClean="0"/>
               <a:pPr/>
-              <a:t>25/09/2015</a:t>
+              <a:t>29/09/2015</a:t>
             </a:fld>
             <a:endParaRPr lang="it-IT" dirty="0"/>
           </a:p>
@@ -601,7 +601,7 @@
     </p:spTree>
     <p:extLst>
       <p:ext uri="{BB962C8B-B14F-4D97-AF65-F5344CB8AC3E}">
-        <p14:creationId xmlns="" xmlns:p14="http://schemas.microsoft.com/office/powerpoint/2010/main" val="983607612"/>
+        <p14:creationId xmlns:p14="http://schemas.microsoft.com/office/powerpoint/2010/main" xmlns="" val="983607612"/>
       </p:ext>
     </p:extLst>
   </p:cSld>
@@ -781,7 +781,7 @@
     </p:spTree>
     <p:extLst>
       <p:ext uri="{BB962C8B-B14F-4D97-AF65-F5344CB8AC3E}">
-        <p14:creationId xmlns="" xmlns:p14="http://schemas.microsoft.com/office/powerpoint/2010/main" val="1229878964"/>
+        <p14:creationId xmlns:p14="http://schemas.microsoft.com/office/powerpoint/2010/main" xmlns="" val="1229878964"/>
       </p:ext>
     </p:extLst>
   </p:cSld>
@@ -2304,7 +2304,7 @@
     </p:spTree>
     <p:extLst>
       <p:ext uri="{BB962C8B-B14F-4D97-AF65-F5344CB8AC3E}">
-        <p14:creationId xmlns="" xmlns:p14="http://schemas.microsoft.com/office/powerpoint/2010/main" val="27430096"/>
+        <p14:creationId xmlns:p14="http://schemas.microsoft.com/office/powerpoint/2010/main" xmlns="" val="27430096"/>
       </p:ext>
     </p:extLst>
   </p:cSld>
@@ -2422,7 +2422,7 @@
     </p:spTree>
     <p:extLst>
       <p:ext uri="{BB962C8B-B14F-4D97-AF65-F5344CB8AC3E}">
-        <p14:creationId xmlns="" xmlns:p14="http://schemas.microsoft.com/office/powerpoint/2010/main" val="1473926903"/>
+        <p14:creationId xmlns:p14="http://schemas.microsoft.com/office/powerpoint/2010/main" xmlns="" val="1473926903"/>
       </p:ext>
     </p:extLst>
   </p:cSld>
@@ -2540,7 +2540,7 @@
     </p:spTree>
     <p:extLst>
       <p:ext uri="{BB962C8B-B14F-4D97-AF65-F5344CB8AC3E}">
-        <p14:creationId xmlns="" xmlns:p14="http://schemas.microsoft.com/office/powerpoint/2010/main" val="1681231856"/>
+        <p14:creationId xmlns:p14="http://schemas.microsoft.com/office/powerpoint/2010/main" xmlns="" val="1681231856"/>
       </p:ext>
     </p:extLst>
   </p:cSld>
@@ -2702,7 +2702,7 @@
     </p:spTree>
     <p:extLst>
       <p:ext uri="{BB962C8B-B14F-4D97-AF65-F5344CB8AC3E}">
-        <p14:creationId xmlns="" xmlns:p14="http://schemas.microsoft.com/office/powerpoint/2010/main" val="27430096"/>
+        <p14:creationId xmlns:p14="http://schemas.microsoft.com/office/powerpoint/2010/main" xmlns="" val="27430096"/>
       </p:ext>
     </p:extLst>
   </p:cSld>
@@ -2755,7 +2755,7 @@
     </p:spTree>
     <p:extLst>
       <p:ext uri="{BB962C8B-B14F-4D97-AF65-F5344CB8AC3E}">
-        <p14:creationId xmlns="" xmlns:p14="http://schemas.microsoft.com/office/powerpoint/2010/main" val="1191776143"/>
+        <p14:creationId xmlns:p14="http://schemas.microsoft.com/office/powerpoint/2010/main" xmlns="" val="1191776143"/>
       </p:ext>
     </p:extLst>
   </p:cSld>
@@ -2785,7 +2785,7 @@
     </p:spTree>
     <p:extLst>
       <p:ext uri="{BB962C8B-B14F-4D97-AF65-F5344CB8AC3E}">
-        <p14:creationId xmlns="" xmlns:p14="http://schemas.microsoft.com/office/powerpoint/2010/main" val="871637495"/>
+        <p14:creationId xmlns:p14="http://schemas.microsoft.com/office/powerpoint/2010/main" xmlns="" val="871637495"/>
       </p:ext>
     </p:extLst>
   </p:cSld>
@@ -2838,7 +2838,7 @@
     </p:spTree>
     <p:extLst>
       <p:ext uri="{BB962C8B-B14F-4D97-AF65-F5344CB8AC3E}">
-        <p14:creationId xmlns="" xmlns:p14="http://schemas.microsoft.com/office/powerpoint/2010/main" val="1191776143"/>
+        <p14:creationId xmlns:p14="http://schemas.microsoft.com/office/powerpoint/2010/main" xmlns="" val="1191776143"/>
       </p:ext>
     </p:extLst>
   </p:cSld>
@@ -2868,7 +2868,7 @@
     </p:spTree>
     <p:extLst>
       <p:ext uri="{BB962C8B-B14F-4D97-AF65-F5344CB8AC3E}">
-        <p14:creationId xmlns="" xmlns:p14="http://schemas.microsoft.com/office/powerpoint/2010/main" val="871637495"/>
+        <p14:creationId xmlns:p14="http://schemas.microsoft.com/office/powerpoint/2010/main" xmlns="" val="871637495"/>
       </p:ext>
     </p:extLst>
   </p:cSld>
@@ -2955,7 +2955,7 @@
     </p:spTree>
     <p:extLst>
       <p:ext uri="{BB962C8B-B14F-4D97-AF65-F5344CB8AC3E}">
-        <p14:creationId xmlns="" xmlns:p14="http://schemas.microsoft.com/office/powerpoint/2010/main" val="1724467125"/>
+        <p14:creationId xmlns:p14="http://schemas.microsoft.com/office/powerpoint/2010/main" xmlns="" val="1724467125"/>
       </p:ext>
     </p:extLst>
   </p:cSld>
@@ -3138,7 +3138,7 @@
     </p:spTree>
     <p:extLst>
       <p:ext uri="{BB962C8B-B14F-4D97-AF65-F5344CB8AC3E}">
-        <p14:creationId xmlns="" xmlns:p14="http://schemas.microsoft.com/office/powerpoint/2010/main" val="3825920509"/>
+        <p14:creationId xmlns:p14="http://schemas.microsoft.com/office/powerpoint/2010/main" xmlns="" val="3825920509"/>
       </p:ext>
     </p:extLst>
   </p:cSld>
@@ -3256,7 +3256,7 @@
     </p:spTree>
     <p:extLst>
       <p:ext uri="{BB962C8B-B14F-4D97-AF65-F5344CB8AC3E}">
-        <p14:creationId xmlns="" xmlns:p14="http://schemas.microsoft.com/office/powerpoint/2010/main" val="1473926903"/>
+        <p14:creationId xmlns:p14="http://schemas.microsoft.com/office/powerpoint/2010/main" xmlns="" val="1473926903"/>
       </p:ext>
     </p:extLst>
   </p:cSld>
@@ -3374,7 +3374,7 @@
     </p:spTree>
     <p:extLst>
       <p:ext uri="{BB962C8B-B14F-4D97-AF65-F5344CB8AC3E}">
-        <p14:creationId xmlns="" xmlns:p14="http://schemas.microsoft.com/office/powerpoint/2010/main" val="1681231856"/>
+        <p14:creationId xmlns:p14="http://schemas.microsoft.com/office/powerpoint/2010/main" xmlns="" val="1681231856"/>
       </p:ext>
     </p:extLst>
   </p:cSld>
@@ -3461,7 +3461,7 @@
     </p:spTree>
     <p:extLst>
       <p:ext uri="{BB962C8B-B14F-4D97-AF65-F5344CB8AC3E}">
-        <p14:creationId xmlns="" xmlns:p14="http://schemas.microsoft.com/office/powerpoint/2010/main" val="1724467125"/>
+        <p14:creationId xmlns:p14="http://schemas.microsoft.com/office/powerpoint/2010/main" xmlns="" val="1724467125"/>
       </p:ext>
     </p:extLst>
   </p:cSld>
@@ -3644,7 +3644,7 @@
     </p:spTree>
     <p:extLst>
       <p:ext uri="{BB962C8B-B14F-4D97-AF65-F5344CB8AC3E}">
-        <p14:creationId xmlns="" xmlns:p14="http://schemas.microsoft.com/office/powerpoint/2010/main" val="3825920509"/>
+        <p14:creationId xmlns:p14="http://schemas.microsoft.com/office/powerpoint/2010/main" xmlns="" val="3825920509"/>
       </p:ext>
     </p:extLst>
   </p:cSld>
@@ -3691,7 +3691,7 @@
           <a:blip r:embed="rId5" cstate="print">
             <a:extLst>
               <a:ext uri="{28A0092B-C50C-407E-A947-70E740481C1C}">
-                <a14:useLocalDpi xmlns="" xmlns:a14="http://schemas.microsoft.com/office/drawing/2010/main" val="0"/>
+                <a14:useLocalDpi xmlns:a14="http://schemas.microsoft.com/office/drawing/2010/main" xmlns="" val="0"/>
               </a:ext>
             </a:extLst>
           </a:blip>
@@ -3714,14 +3714,14 @@
           </a:ln>
           <a:extLst>
             <a:ext uri="{909E8E84-426E-40dd-AFC4-6F175D3DCCD1}">
-              <a14:hiddenFill xmlns="" xmlns:a14="http://schemas.microsoft.com/office/drawing/2010/main">
+              <a14:hiddenFill xmlns:a14="http://schemas.microsoft.com/office/drawing/2010/main" xmlns="">
                 <a:solidFill>
                   <a:srgbClr val="FFFFFF"/>
                 </a:solidFill>
               </a14:hiddenFill>
             </a:ext>
             <a:ext uri="{91240B29-F687-4f45-9708-019B960494DF}">
-              <a14:hiddenLine xmlns="" xmlns:a14="http://schemas.microsoft.com/office/drawing/2010/main" w="9525">
+              <a14:hiddenLine xmlns:a14="http://schemas.microsoft.com/office/drawing/2010/main" xmlns="" w="9525">
                 <a:solidFill>
                   <a:srgbClr val="000000"/>
                 </a:solidFill>
@@ -3799,14 +3799,14 @@
           </a:ln>
           <a:extLst>
             <a:ext uri="{909E8E84-426E-40dd-AFC4-6F175D3DCCD1}">
-              <a14:hiddenFill xmlns="" xmlns:a14="http://schemas.microsoft.com/office/drawing/2010/main">
+              <a14:hiddenFill xmlns:a14="http://schemas.microsoft.com/office/drawing/2010/main" xmlns="">
                 <a:solidFill>
                   <a:srgbClr val="FFFFFF"/>
                 </a:solidFill>
               </a14:hiddenFill>
             </a:ext>
             <a:ext uri="{91240B29-F687-4f45-9708-019B960494DF}">
-              <a14:hiddenLine xmlns="" xmlns:a14="http://schemas.microsoft.com/office/drawing/2010/main" w="9525">
+              <a14:hiddenLine xmlns:a14="http://schemas.microsoft.com/office/drawing/2010/main" xmlns="" w="9525">
                 <a:solidFill>
                   <a:srgbClr val="000000"/>
                 </a:solidFill>
@@ -3816,7 +3816,7 @@
               </a14:hiddenLine>
             </a:ext>
             <a:ext uri="{FAA26D3D-D897-4be2-8F04-BA451C77F1D7}">
-              <ma14:placeholderFlag xmlns="" xmlns:ma14="http://schemas.microsoft.com/office/mac/drawingml/2011/main" val="1"/>
+              <ma14:placeholderFlag xmlns:ma14="http://schemas.microsoft.com/office/mac/drawingml/2011/main" xmlns="" val="1"/>
             </a:ext>
           </a:extLst>
         </p:spPr>
@@ -3865,14 +3865,14 @@
           </a:ln>
           <a:extLst>
             <a:ext uri="{909E8E84-426E-40dd-AFC4-6F175D3DCCD1}">
-              <a14:hiddenFill xmlns="" xmlns:a14="http://schemas.microsoft.com/office/drawing/2010/main">
+              <a14:hiddenFill xmlns:a14="http://schemas.microsoft.com/office/drawing/2010/main" xmlns="">
                 <a:solidFill>
                   <a:srgbClr val="FFFFFF"/>
                 </a:solidFill>
               </a14:hiddenFill>
             </a:ext>
             <a:ext uri="{91240B29-F687-4f45-9708-019B960494DF}">
-              <a14:hiddenLine xmlns="" xmlns:a14="http://schemas.microsoft.com/office/drawing/2010/main" w="9525">
+              <a14:hiddenLine xmlns:a14="http://schemas.microsoft.com/office/drawing/2010/main" xmlns="" w="9525">
                 <a:solidFill>
                   <a:srgbClr val="000000"/>
                 </a:solidFill>
@@ -3882,7 +3882,7 @@
               </a14:hiddenLine>
             </a:ext>
             <a:ext uri="{FAA26D3D-D897-4be2-8F04-BA451C77F1D7}">
-              <ma14:placeholderFlag xmlns="" xmlns:ma14="http://schemas.microsoft.com/office/mac/drawingml/2011/main" val="1"/>
+              <ma14:placeholderFlag xmlns:ma14="http://schemas.microsoft.com/office/mac/drawingml/2011/main" xmlns="" val="1"/>
             </a:ext>
           </a:extLst>
         </p:spPr>
@@ -3926,7 +3926,7 @@
     </p:spTree>
     <p:extLst>
       <p:ext uri="{BB962C8B-B14F-4D97-AF65-F5344CB8AC3E}">
-        <p14:creationId xmlns="" xmlns:p14="http://schemas.microsoft.com/office/powerpoint/2010/main" val="4048614870"/>
+        <p14:creationId xmlns:p14="http://schemas.microsoft.com/office/powerpoint/2010/main" xmlns="" val="4048614870"/>
       </p:ext>
     </p:extLst>
   </p:cSld>
@@ -4377,14 +4377,14 @@
           <a:effectLst/>
           <a:extLst>
             <a:ext uri="{909E8E84-426E-40dd-AFC4-6F175D3DCCD1}">
-              <a14:hiddenFill xmlns="" xmlns:a14="http://schemas.microsoft.com/office/drawing/2010/main">
+              <a14:hiddenFill xmlns:a14="http://schemas.microsoft.com/office/drawing/2010/main" xmlns="">
                 <a:solidFill>
                   <a:schemeClr val="accent1"/>
                 </a:solidFill>
               </a14:hiddenFill>
             </a:ext>
             <a:ext uri="{91240B29-F687-4f45-9708-019B960494DF}">
-              <a14:hiddenLine xmlns="" xmlns:a14="http://schemas.microsoft.com/office/drawing/2010/main" w="9525">
+              <a14:hiddenLine xmlns:a14="http://schemas.microsoft.com/office/drawing/2010/main" xmlns="" w="9525">
                 <a:solidFill>
                   <a:srgbClr val="FF6600"/>
                 </a:solidFill>
@@ -4394,7 +4394,7 @@
               </a14:hiddenLine>
             </a:ext>
             <a:ext uri="{AF507438-7753-43e0-B8FC-AC1667EBCBE1}">
-              <a14:hiddenEffects xmlns="" xmlns:a14="http://schemas.microsoft.com/office/drawing/2010/main">
+              <a14:hiddenEffects xmlns:a14="http://schemas.microsoft.com/office/drawing/2010/main" xmlns="">
                 <a:effectLst>
                   <a:outerShdw blurRad="63500" dist="38099" dir="2700000" algn="ctr" rotWithShape="0">
                     <a:schemeClr val="bg2">
@@ -4950,7 +4950,7 @@
           <a:blip r:embed="rId5" cstate="print">
             <a:extLst>
               <a:ext uri="{28A0092B-C50C-407E-A947-70E740481C1C}">
-                <a14:useLocalDpi xmlns="" xmlns:a14="http://schemas.microsoft.com/office/drawing/2010/main" val="0"/>
+                <a14:useLocalDpi xmlns:a14="http://schemas.microsoft.com/office/drawing/2010/main" xmlns="" val="0"/>
               </a:ext>
             </a:extLst>
           </a:blip>
@@ -4973,14 +4973,14 @@
           </a:ln>
           <a:extLst>
             <a:ext uri="{909E8E84-426E-40dd-AFC4-6F175D3DCCD1}">
-              <a14:hiddenFill xmlns="" xmlns:a14="http://schemas.microsoft.com/office/drawing/2010/main">
+              <a14:hiddenFill xmlns:a14="http://schemas.microsoft.com/office/drawing/2010/main" xmlns="">
                 <a:solidFill>
                   <a:srgbClr val="FFFFFF"/>
                 </a:solidFill>
               </a14:hiddenFill>
             </a:ext>
             <a:ext uri="{91240B29-F687-4f45-9708-019B960494DF}">
-              <a14:hiddenLine xmlns="" xmlns:a14="http://schemas.microsoft.com/office/drawing/2010/main" w="9525">
+              <a14:hiddenLine xmlns:a14="http://schemas.microsoft.com/office/drawing/2010/main" xmlns="" w="9525">
                 <a:solidFill>
                   <a:srgbClr val="000000"/>
                 </a:solidFill>
@@ -5058,14 +5058,14 @@
           </a:ln>
           <a:extLst>
             <a:ext uri="{909E8E84-426E-40dd-AFC4-6F175D3DCCD1}">
-              <a14:hiddenFill xmlns="" xmlns:a14="http://schemas.microsoft.com/office/drawing/2010/main">
+              <a14:hiddenFill xmlns:a14="http://schemas.microsoft.com/office/drawing/2010/main" xmlns="">
                 <a:solidFill>
                   <a:srgbClr val="FFFFFF"/>
                 </a:solidFill>
               </a14:hiddenFill>
             </a:ext>
             <a:ext uri="{91240B29-F687-4f45-9708-019B960494DF}">
-              <a14:hiddenLine xmlns="" xmlns:a14="http://schemas.microsoft.com/office/drawing/2010/main" w="9525">
+              <a14:hiddenLine xmlns:a14="http://schemas.microsoft.com/office/drawing/2010/main" xmlns="" w="9525">
                 <a:solidFill>
                   <a:srgbClr val="000000"/>
                 </a:solidFill>
@@ -5075,7 +5075,7 @@
               </a14:hiddenLine>
             </a:ext>
             <a:ext uri="{FAA26D3D-D897-4be2-8F04-BA451C77F1D7}">
-              <ma14:placeholderFlag xmlns="" xmlns:ma14="http://schemas.microsoft.com/office/mac/drawingml/2011/main" val="1"/>
+              <ma14:placeholderFlag xmlns:ma14="http://schemas.microsoft.com/office/mac/drawingml/2011/main" xmlns="" val="1"/>
             </a:ext>
           </a:extLst>
         </p:spPr>
@@ -5124,14 +5124,14 @@
           </a:ln>
           <a:extLst>
             <a:ext uri="{909E8E84-426E-40dd-AFC4-6F175D3DCCD1}">
-              <a14:hiddenFill xmlns="" xmlns:a14="http://schemas.microsoft.com/office/drawing/2010/main">
+              <a14:hiddenFill xmlns:a14="http://schemas.microsoft.com/office/drawing/2010/main" xmlns="">
                 <a:solidFill>
                   <a:srgbClr val="FFFFFF"/>
                 </a:solidFill>
               </a14:hiddenFill>
             </a:ext>
             <a:ext uri="{91240B29-F687-4f45-9708-019B960494DF}">
-              <a14:hiddenLine xmlns="" xmlns:a14="http://schemas.microsoft.com/office/drawing/2010/main" w="9525">
+              <a14:hiddenLine xmlns:a14="http://schemas.microsoft.com/office/drawing/2010/main" xmlns="" w="9525">
                 <a:solidFill>
                   <a:srgbClr val="000000"/>
                 </a:solidFill>
@@ -5141,7 +5141,7 @@
               </a14:hiddenLine>
             </a:ext>
             <a:ext uri="{FAA26D3D-D897-4be2-8F04-BA451C77F1D7}">
-              <ma14:placeholderFlag xmlns="" xmlns:ma14="http://schemas.microsoft.com/office/mac/drawingml/2011/main" val="1"/>
+              <ma14:placeholderFlag xmlns:ma14="http://schemas.microsoft.com/office/mac/drawingml/2011/main" xmlns="" val="1"/>
             </a:ext>
           </a:extLst>
         </p:spPr>
@@ -5185,7 +5185,7 @@
     </p:spTree>
     <p:extLst>
       <p:ext uri="{BB962C8B-B14F-4D97-AF65-F5344CB8AC3E}">
-        <p14:creationId xmlns="" xmlns:p14="http://schemas.microsoft.com/office/powerpoint/2010/main" val="4048614870"/>
+        <p14:creationId xmlns:p14="http://schemas.microsoft.com/office/powerpoint/2010/main" xmlns="" val="4048614870"/>
       </p:ext>
     </p:extLst>
   </p:cSld>
@@ -5847,7 +5847,7 @@
           <a:blip r:embed="rId3" cstate="print">
             <a:extLst>
               <a:ext uri="{28A0092B-C50C-407E-A947-70E740481C1C}">
-                <a14:useLocalDpi xmlns="" xmlns:a14="http://schemas.microsoft.com/office/drawing/2010/main" val="0"/>
+                <a14:useLocalDpi xmlns:a14="http://schemas.microsoft.com/office/drawing/2010/main" xmlns="" val="0"/>
               </a:ext>
             </a:extLst>
           </a:blip>
@@ -5868,7 +5868,7 @@
     </p:spTree>
     <p:extLst>
       <p:ext uri="{BB962C8B-B14F-4D97-AF65-F5344CB8AC3E}">
-        <p14:creationId xmlns="" xmlns:p14="http://schemas.microsoft.com/office/powerpoint/2010/main" val="2572022632"/>
+        <p14:creationId xmlns:p14="http://schemas.microsoft.com/office/powerpoint/2010/main" xmlns="" val="2572022632"/>
       </p:ext>
     </p:extLst>
   </p:cSld>
@@ -5876,7 +5876,7 @@
     <a:masterClrMapping/>
   </p:clrMapOvr>
   <mc:AlternateContent xmlns:mc="http://schemas.openxmlformats.org/markup-compatibility/2006">
-    <mc:Choice xmlns="" xmlns:p14="http://schemas.microsoft.com/office/powerpoint/2010/main" Requires="p14">
+    <mc:Choice xmlns:p14="http://schemas.microsoft.com/office/powerpoint/2010/main" xmlns="" Requires="p14">
       <p:transition spd="slow" p14:dur="2000" advTm="19458"/>
     </mc:Choice>
     <mc:Fallback>
@@ -6017,11 +6017,6 @@
               </a:rPr>
               <a:t>Gossip</a:t>
             </a:r>
-            <a:endParaRPr lang="it-IT" sz="2400" b="1" i="1" dirty="0" smtClean="0">
-              <a:solidFill>
-                <a:srgbClr val="C00000"/>
-              </a:solidFill>
-            </a:endParaRPr>
           </a:p>
         </p:txBody>
       </p:sp>
@@ -8000,15 +7995,7 @@
                   <a:srgbClr val="C00000"/>
                 </a:solidFill>
               </a:rPr>
-              <a:t>Bluetooth Low </a:t>
-            </a:r>
-            <a:r>
-              <a:rPr lang="it-IT" sz="2400" b="1" dirty="0" smtClean="0">
-                <a:solidFill>
-                  <a:srgbClr val="C00000"/>
-                </a:solidFill>
-              </a:rPr>
-              <a:t>Energy</a:t>
+              <a:t>Bluetooth Low Energy</a:t>
             </a:r>
             <a:endParaRPr lang="it-IT" sz="2400" dirty="0" smtClean="0"/>
           </a:p>
@@ -10724,7 +10711,7 @@
           <a:blip r:embed="rId2" cstate="print">
             <a:extLst>
               <a:ext uri="{28A0092B-C50C-407E-A947-70E740481C1C}">
-                <a14:useLocalDpi xmlns="" xmlns:a14="http://schemas.microsoft.com/office/drawing/2010/main" val="0"/>
+                <a14:useLocalDpi xmlns:a14="http://schemas.microsoft.com/office/drawing/2010/main" xmlns="" val="0"/>
               </a:ext>
             </a:extLst>
           </a:blip>
@@ -10881,7 +10868,7 @@
     </p:spTree>
     <p:extLst>
       <p:ext uri="{BB962C8B-B14F-4D97-AF65-F5344CB8AC3E}">
-        <p14:creationId xmlns="" xmlns:p14="http://schemas.microsoft.com/office/powerpoint/2010/main" val="1982816369"/>
+        <p14:creationId xmlns:p14="http://schemas.microsoft.com/office/powerpoint/2010/main" xmlns="" val="1982816369"/>
       </p:ext>
     </p:extLst>
   </p:cSld>
@@ -10889,7 +10876,7 @@
     <a:masterClrMapping/>
   </p:clrMapOvr>
   <mc:AlternateContent xmlns:mc="http://schemas.openxmlformats.org/markup-compatibility/2006">
-    <mc:Choice xmlns="" xmlns:p14="http://schemas.microsoft.com/office/powerpoint/2010/main" Requires="p14">
+    <mc:Choice xmlns:p14="http://schemas.microsoft.com/office/powerpoint/2010/main" xmlns="" Requires="p14">
       <p:transition spd="slow" p14:dur="2000" advTm="5275"/>
     </mc:Choice>
     <mc:Fallback>
@@ -35083,8 +35070,13 @@
             </a:br>
             <a:r>
               <a:rPr lang="it-IT" sz="2400" dirty="0" smtClean="0"/>
-              <a:t>visione locale della rete</a:t>
-            </a:r>
+              <a:t>visione </a:t>
+            </a:r>
+            <a:r>
+              <a:rPr lang="it-IT" sz="2400" dirty="0" smtClean="0"/>
+              <a:t>locale</a:t>
+            </a:r>
+            <a:endParaRPr lang="it-IT" sz="2400" dirty="0" smtClean="0"/>
           </a:p>
           <a:p>
             <a:pPr>
